--- a/presentation.pptx
+++ b/presentation.pptx
@@ -3340,10 +3340,31 @@
         </p:nvSpPr>
         <p:spPr/>
         <p:txBody>
-          <a:bodyPr/>
-          <a:lstStyle/>
-          <a:p>
-            <a:endParaRPr lang="da-DK"/>
+          <a:bodyPr>
+            <a:normAutofit fontScale="90000"/>
+          </a:bodyPr>
+          <a:lstStyle/>
+          <a:p>
+            <a:r>
+              <a:rPr lang="en-US" b="1" i="0" dirty="0">
+                <a:solidFill>
+                  <a:srgbClr val="0F0F0F"/>
+                </a:solidFill>
+                <a:effectLst/>
+                <a:latin typeface="YouTube Sans"/>
+              </a:rPr>
+              <a:t>Stop using Entity Framework as a DTO provider!</a:t>
+            </a:r>
+            <a:br>
+              <a:rPr lang="en-US" b="1" i="0" dirty="0">
+                <a:solidFill>
+                  <a:srgbClr val="0F0F0F"/>
+                </a:solidFill>
+                <a:effectLst/>
+                <a:latin typeface="YouTube Sans"/>
+              </a:rPr>
+            </a:br>
+            <a:endParaRPr lang="da-DK" dirty="0"/>
           </a:p>
         </p:txBody>
       </p:sp>
@@ -3368,7 +3389,24 @@
           <a:bodyPr/>
           <a:lstStyle/>
           <a:p>
-            <a:endParaRPr lang="da-DK"/>
+            <a:r>
+              <a:rPr lang="da-DK" dirty="0">
+                <a:hlinkClick r:id="rId2"/>
+              </a:rPr>
+              <a:t>https://www.youtube.com/watch?v=ZYfdjszs8sU</a:t>
+            </a:r>
+          </a:p>
+          <a:p>
+            <a:r>
+              <a:rPr lang="da-DK" dirty="0">
+                <a:hlinkClick r:id="rId2"/>
+              </a:rPr>
+              <a:t>https://github.com/ChrisKlug/efcore-dto-demo</a:t>
+            </a:r>
+            <a:endParaRPr lang="da-DK" dirty="0"/>
+          </a:p>
+          <a:p>
+            <a:endParaRPr lang="da-DK" dirty="0"/>
           </a:p>
         </p:txBody>
       </p:sp>
